--- a/Prezentare_Template.pptx
+++ b/Prezentare_Template.pptx
@@ -6,21 +6,22 @@
     <p:sldMasterId id="2147483681" r:id="rId2"/>
   </p:sldMasterIdLst>
   <p:notesMasterIdLst>
-    <p:notesMasterId r:id="rId15"/>
+    <p:notesMasterId r:id="rId16"/>
   </p:notesMasterIdLst>
   <p:sldIdLst>
     <p:sldId id="266" r:id="rId3"/>
     <p:sldId id="277" r:id="rId4"/>
     <p:sldId id="278" r:id="rId5"/>
     <p:sldId id="281" r:id="rId6"/>
-    <p:sldId id="284" r:id="rId7"/>
-    <p:sldId id="285" r:id="rId8"/>
-    <p:sldId id="279" r:id="rId9"/>
-    <p:sldId id="287" r:id="rId10"/>
-    <p:sldId id="275" r:id="rId11"/>
-    <p:sldId id="286" r:id="rId12"/>
-    <p:sldId id="282" r:id="rId13"/>
-    <p:sldId id="283" r:id="rId14"/>
+    <p:sldId id="288" r:id="rId7"/>
+    <p:sldId id="284" r:id="rId8"/>
+    <p:sldId id="285" r:id="rId9"/>
+    <p:sldId id="279" r:id="rId10"/>
+    <p:sldId id="287" r:id="rId11"/>
+    <p:sldId id="275" r:id="rId12"/>
+    <p:sldId id="286" r:id="rId13"/>
+    <p:sldId id="282" r:id="rId14"/>
+    <p:sldId id="283" r:id="rId15"/>
   </p:sldIdLst>
   <p:sldSz cx="9144000" cy="6858000" type="screen4x3"/>
   <p:notesSz cx="6858000" cy="9144000"/>
@@ -5688,6 +5689,508 @@
                     <a:lumMod val="50000"/>
                   </a:schemeClr>
                 </a:solidFill>
+                <a:latin typeface="Times New Roman"/>
+              </a:rPr>
+              <a:t>Implementare</a:t>
+            </a:r>
+            <a:r>
+              <a:rPr lang="en-US" sz="3200" b="1" dirty="0">
+                <a:solidFill>
+                  <a:schemeClr val="accent1">
+                    <a:lumMod val="50000"/>
+                  </a:schemeClr>
+                </a:solidFill>
+                <a:latin typeface="Times New Roman"/>
+              </a:rPr>
+              <a:t> - </a:t>
+            </a:r>
+            <a:r>
+              <a:rPr lang="en-US" sz="3200" b="1" dirty="0" err="1">
+                <a:solidFill>
+                  <a:schemeClr val="accent1">
+                    <a:lumMod val="50000"/>
+                  </a:schemeClr>
+                </a:solidFill>
+                <a:latin typeface="Times New Roman"/>
+              </a:rPr>
+              <a:t>Adversar</a:t>
+            </a:r>
+            <a:r>
+              <a:rPr lang="en-US" sz="3200" b="1" dirty="0">
+                <a:solidFill>
+                  <a:schemeClr val="accent1">
+                    <a:lumMod val="50000"/>
+                  </a:schemeClr>
+                </a:solidFill>
+                <a:latin typeface="Times New Roman"/>
+              </a:rPr>
+              <a:t> AI</a:t>
+            </a:r>
+            <a:endParaRPr lang="ru-RU" sz="3200" b="1" dirty="0">
+              <a:solidFill>
+                <a:schemeClr val="accent1">
+                  <a:lumMod val="50000"/>
+                </a:schemeClr>
+              </a:solidFill>
+              <a:latin typeface="Times New Roman" panose="02020603050405020304" pitchFamily="18" charset="0"/>
+              <a:cs typeface="Times New Roman" panose="02020603050405020304" pitchFamily="18" charset="0"/>
+            </a:endParaRPr>
+          </a:p>
+        </p:txBody>
+      </p:sp>
+      <p:sp>
+        <p:nvSpPr>
+          <p:cNvPr id="3" name="TextBox 2">
+            <a:extLst>
+              <a:ext uri="{FF2B5EF4-FFF2-40B4-BE49-F238E27FC236}">
+                <a16:creationId xmlns:a16="http://schemas.microsoft.com/office/drawing/2014/main" id="{00A94EC1-16DF-44A1-BE40-8B85359F3870}"/>
+              </a:ext>
+            </a:extLst>
+          </p:cNvPr>
+          <p:cNvSpPr txBox="1"/>
+          <p:nvPr/>
+        </p:nvSpPr>
+        <p:spPr>
+          <a:xfrm>
+            <a:off x="0" y="252248"/>
+            <a:ext cx="9144000" cy="1213945"/>
+          </a:xfrm>
+          <a:prstGeom prst="rect">
+            <a:avLst/>
+          </a:prstGeom>
+          <a:solidFill>
+            <a:srgbClr val="23557D"/>
+          </a:solidFill>
+          <a:ln>
+            <a:noFill/>
+          </a:ln>
+        </p:spPr>
+        <p:style>
+          <a:lnRef idx="2">
+            <a:schemeClr val="accent5"/>
+          </a:lnRef>
+          <a:fillRef idx="1">
+            <a:schemeClr val="lt1"/>
+          </a:fillRef>
+          <a:effectRef idx="0">
+            <a:schemeClr val="accent5"/>
+          </a:effectRef>
+          <a:fontRef idx="minor">
+            <a:schemeClr val="dk1"/>
+          </a:fontRef>
+        </p:style>
+        <p:txBody>
+          <a:bodyPr wrap="square" rtlCol="0">
+            <a:spAutoFit/>
+          </a:bodyPr>
+          <a:lstStyle/>
+          <a:p>
+            <a:endParaRPr lang="ro-RO" dirty="0"/>
+          </a:p>
+        </p:txBody>
+      </p:sp>
+      <p:pic>
+        <p:nvPicPr>
+          <p:cNvPr id="4" name="Picture 3">
+            <a:extLst>
+              <a:ext uri="{FF2B5EF4-FFF2-40B4-BE49-F238E27FC236}">
+                <a16:creationId xmlns:a16="http://schemas.microsoft.com/office/drawing/2014/main" id="{F2C6D9D1-A541-471F-A2A6-BF05B1DAEB2D}"/>
+              </a:ext>
+            </a:extLst>
+          </p:cNvPr>
+          <p:cNvPicPr>
+            <a:picLocks noChangeAspect="1"/>
+          </p:cNvPicPr>
+          <p:nvPr/>
+        </p:nvPicPr>
+        <p:blipFill>
+          <a:blip r:embed="rId3"/>
+          <a:stretch>
+            <a:fillRect/>
+          </a:stretch>
+        </p:blipFill>
+        <p:spPr>
+          <a:xfrm>
+            <a:off x="7486726" y="474376"/>
+            <a:ext cx="1265030" cy="769687"/>
+          </a:xfrm>
+          <a:prstGeom prst="rect">
+            <a:avLst/>
+          </a:prstGeom>
+        </p:spPr>
+      </p:pic>
+      <p:sp>
+        <p:nvSpPr>
+          <p:cNvPr id="6" name="Content Placeholder 2">
+            <a:extLst>
+              <a:ext uri="{FF2B5EF4-FFF2-40B4-BE49-F238E27FC236}">
+                <a16:creationId xmlns:a16="http://schemas.microsoft.com/office/drawing/2014/main" id="{5DDC8D0A-AAAD-5B6A-71FA-38DD8BA51C76}"/>
+              </a:ext>
+            </a:extLst>
+          </p:cNvPr>
+          <p:cNvSpPr txBox="1">
+            <a:spLocks/>
+          </p:cNvSpPr>
+          <p:nvPr/>
+        </p:nvSpPr>
+        <p:spPr>
+          <a:xfrm>
+            <a:off x="457199" y="2080533"/>
+            <a:ext cx="8229600" cy="4525963"/>
+          </a:xfrm>
+          <a:prstGeom prst="rect">
+            <a:avLst/>
+          </a:prstGeom>
+        </p:spPr>
+        <p:txBody>
+          <a:bodyPr wrap="square"/>
+          <a:lstStyle>
+            <a:lvl1pPr marL="228600" indent="-228600" algn="l" rtl="0" eaLnBrk="0" fontAlgn="base" hangingPunct="0">
+              <a:lnSpc>
+                <a:spcPct val="90000"/>
+              </a:lnSpc>
+              <a:spcBef>
+                <a:spcPts val="1000"/>
+              </a:spcBef>
+              <a:spcAft>
+                <a:spcPct val="0"/>
+              </a:spcAft>
+              <a:buFont typeface="Arial" panose="020B0604020202020204" pitchFamily="34" charset="0"/>
+              <a:buChar char="•"/>
+              <a:defRPr sz="2800" kern="1200">
+                <a:solidFill>
+                  <a:schemeClr val="tx1"/>
+                </a:solidFill>
+                <a:latin typeface="+mn-lt"/>
+                <a:ea typeface="+mn-ea"/>
+                <a:cs typeface="+mn-cs"/>
+              </a:defRPr>
+            </a:lvl1pPr>
+            <a:lvl2pPr marL="685800" indent="-228600" algn="l" rtl="0" eaLnBrk="0" fontAlgn="base" hangingPunct="0">
+              <a:lnSpc>
+                <a:spcPct val="90000"/>
+              </a:lnSpc>
+              <a:spcBef>
+                <a:spcPts val="500"/>
+              </a:spcBef>
+              <a:spcAft>
+                <a:spcPct val="0"/>
+              </a:spcAft>
+              <a:buFont typeface="Arial" panose="020B0604020202020204" pitchFamily="34" charset="0"/>
+              <a:buChar char="•"/>
+              <a:defRPr sz="2400" kern="1200">
+                <a:solidFill>
+                  <a:schemeClr val="tx1"/>
+                </a:solidFill>
+                <a:latin typeface="+mn-lt"/>
+                <a:ea typeface="+mn-ea"/>
+                <a:cs typeface="+mn-cs"/>
+              </a:defRPr>
+            </a:lvl2pPr>
+            <a:lvl3pPr marL="1143000" indent="-228600" algn="l" rtl="0" eaLnBrk="0" fontAlgn="base" hangingPunct="0">
+              <a:lnSpc>
+                <a:spcPct val="90000"/>
+              </a:lnSpc>
+              <a:spcBef>
+                <a:spcPts val="500"/>
+              </a:spcBef>
+              <a:spcAft>
+                <a:spcPct val="0"/>
+              </a:spcAft>
+              <a:buFont typeface="Arial" panose="020B0604020202020204" pitchFamily="34" charset="0"/>
+              <a:buChar char="•"/>
+              <a:defRPr sz="2000" kern="1200">
+                <a:solidFill>
+                  <a:schemeClr val="tx1"/>
+                </a:solidFill>
+                <a:latin typeface="+mn-lt"/>
+                <a:ea typeface="+mn-ea"/>
+                <a:cs typeface="+mn-cs"/>
+              </a:defRPr>
+            </a:lvl3pPr>
+            <a:lvl4pPr marL="1600200" indent="-228600" algn="l" rtl="0" eaLnBrk="0" fontAlgn="base" hangingPunct="0">
+              <a:lnSpc>
+                <a:spcPct val="90000"/>
+              </a:lnSpc>
+              <a:spcBef>
+                <a:spcPts val="500"/>
+              </a:spcBef>
+              <a:spcAft>
+                <a:spcPct val="0"/>
+              </a:spcAft>
+              <a:buFont typeface="Arial" panose="020B0604020202020204" pitchFamily="34" charset="0"/>
+              <a:buChar char="•"/>
+              <a:defRPr kern="1200">
+                <a:solidFill>
+                  <a:schemeClr val="tx1"/>
+                </a:solidFill>
+                <a:latin typeface="+mn-lt"/>
+                <a:ea typeface="+mn-ea"/>
+                <a:cs typeface="+mn-cs"/>
+              </a:defRPr>
+            </a:lvl4pPr>
+            <a:lvl5pPr marL="2057400" indent="-228600" algn="l" rtl="0" eaLnBrk="0" fontAlgn="base" hangingPunct="0">
+              <a:lnSpc>
+                <a:spcPct val="90000"/>
+              </a:lnSpc>
+              <a:spcBef>
+                <a:spcPts val="500"/>
+              </a:spcBef>
+              <a:spcAft>
+                <a:spcPct val="0"/>
+              </a:spcAft>
+              <a:buFont typeface="Arial" panose="020B0604020202020204" pitchFamily="34" charset="0"/>
+              <a:buChar char="•"/>
+              <a:defRPr kern="1200">
+                <a:solidFill>
+                  <a:schemeClr val="tx1"/>
+                </a:solidFill>
+                <a:latin typeface="+mn-lt"/>
+                <a:ea typeface="+mn-ea"/>
+                <a:cs typeface="+mn-cs"/>
+              </a:defRPr>
+            </a:lvl5pPr>
+            <a:lvl6pPr marL="2514600" indent="-228600" algn="l" defTabSz="914400" rtl="0" eaLnBrk="1" latinLnBrk="0" hangingPunct="1">
+              <a:lnSpc>
+                <a:spcPct val="90000"/>
+              </a:lnSpc>
+              <a:spcBef>
+                <a:spcPts val="500"/>
+              </a:spcBef>
+              <a:buFont typeface="Arial" panose="020B0604020202020204" pitchFamily="34" charset="0"/>
+              <a:buChar char="•"/>
+              <a:defRPr sz="1800" kern="1200">
+                <a:solidFill>
+                  <a:schemeClr val="tx1"/>
+                </a:solidFill>
+                <a:latin typeface="+mn-lt"/>
+                <a:ea typeface="+mn-ea"/>
+                <a:cs typeface="+mn-cs"/>
+              </a:defRPr>
+            </a:lvl6pPr>
+            <a:lvl7pPr marL="2971800" indent="-228600" algn="l" defTabSz="914400" rtl="0" eaLnBrk="1" latinLnBrk="0" hangingPunct="1">
+              <a:lnSpc>
+                <a:spcPct val="90000"/>
+              </a:lnSpc>
+              <a:spcBef>
+                <a:spcPts val="500"/>
+              </a:spcBef>
+              <a:buFont typeface="Arial" panose="020B0604020202020204" pitchFamily="34" charset="0"/>
+              <a:buChar char="•"/>
+              <a:defRPr sz="1800" kern="1200">
+                <a:solidFill>
+                  <a:schemeClr val="tx1"/>
+                </a:solidFill>
+                <a:latin typeface="+mn-lt"/>
+                <a:ea typeface="+mn-ea"/>
+                <a:cs typeface="+mn-cs"/>
+              </a:defRPr>
+            </a:lvl7pPr>
+            <a:lvl8pPr marL="3429000" indent="-228600" algn="l" defTabSz="914400" rtl="0" eaLnBrk="1" latinLnBrk="0" hangingPunct="1">
+              <a:lnSpc>
+                <a:spcPct val="90000"/>
+              </a:lnSpc>
+              <a:spcBef>
+                <a:spcPts val="500"/>
+              </a:spcBef>
+              <a:buFont typeface="Arial" panose="020B0604020202020204" pitchFamily="34" charset="0"/>
+              <a:buChar char="•"/>
+              <a:defRPr sz="1800" kern="1200">
+                <a:solidFill>
+                  <a:schemeClr val="tx1"/>
+                </a:solidFill>
+                <a:latin typeface="+mn-lt"/>
+                <a:ea typeface="+mn-ea"/>
+                <a:cs typeface="+mn-cs"/>
+              </a:defRPr>
+            </a:lvl8pPr>
+            <a:lvl9pPr marL="3886200" indent="-228600" algn="l" defTabSz="914400" rtl="0" eaLnBrk="1" latinLnBrk="0" hangingPunct="1">
+              <a:lnSpc>
+                <a:spcPct val="90000"/>
+              </a:lnSpc>
+              <a:spcBef>
+                <a:spcPts val="500"/>
+              </a:spcBef>
+              <a:buFont typeface="Arial" panose="020B0604020202020204" pitchFamily="34" charset="0"/>
+              <a:buChar char="•"/>
+              <a:defRPr sz="1800" kern="1200">
+                <a:solidFill>
+                  <a:schemeClr val="tx1"/>
+                </a:solidFill>
+                <a:latin typeface="+mn-lt"/>
+                <a:ea typeface="+mn-ea"/>
+                <a:cs typeface="+mn-cs"/>
+              </a:defRPr>
+            </a:lvl9pPr>
+          </a:lstStyle>
+          <a:p>
+            <a:endParaRPr lang="en-US"/>
+          </a:p>
+          <a:p>
+            <a:r>
+              <a:rPr lang="en-US" sz="1400">
+                <a:solidFill>
+                  <a:srgbClr val="000000"/>
+                </a:solidFill>
+                <a:latin typeface="Times New Roman"/>
+              </a:rPr>
+              <a:t>Scop: Creare AI competitiv pentru modul single-player.</a:t>
+            </a:r>
+          </a:p>
+          <a:p>
+            <a:r>
+              <a:rPr lang="en-US" sz="1400">
+                <a:solidFill>
+                  <a:srgbClr val="000000"/>
+                </a:solidFill>
+                <a:latin typeface="Times New Roman"/>
+              </a:rPr>
+              <a:t>Strategie Hibridă:</a:t>
+            </a:r>
+          </a:p>
+          <a:p>
+            <a:pPr lvl="1"/>
+            <a:r>
+              <a:rPr lang="en-US" sz="1400">
+                <a:solidFill>
+                  <a:srgbClr val="000000"/>
+                </a:solidFill>
+                <a:latin typeface="Times New Roman"/>
+              </a:rPr>
+              <a:t>1. Verificări Imediate (findImmediate): Câștig/Blocare în 1 mutare.</a:t>
+            </a:r>
+          </a:p>
+          <a:p>
+            <a:pPr lvl="1"/>
+            <a:r>
+              <a:rPr lang="en-US" sz="1400">
+                <a:solidFill>
+                  <a:srgbClr val="000000"/>
+                </a:solidFill>
+                <a:latin typeface="Times New Roman"/>
+              </a:rPr>
+              <a:t>2. Algoritm Minimax [5]: Explorare arbore joc (dacă nu există mutare imediată).</a:t>
+            </a:r>
+          </a:p>
+          <a:p>
+            <a:pPr lvl="1"/>
+            <a:r>
+              <a:rPr lang="en-US" sz="1400">
+                <a:solidFill>
+                  <a:srgbClr val="000000"/>
+                </a:solidFill>
+                <a:latin typeface="Times New Roman"/>
+              </a:rPr>
+              <a:t>3. Optimizare Alpha-Beta: Eliminare ramuri irelevante.</a:t>
+            </a:r>
+          </a:p>
+          <a:p>
+            <a:pPr lvl="1"/>
+            <a:r>
+              <a:rPr lang="en-US" sz="1400">
+                <a:solidFill>
+                  <a:srgbClr val="000000"/>
+                </a:solidFill>
+                <a:latin typeface="Times New Roman"/>
+              </a:rPr>
+              <a:t>4. Funcție Euristică (heuristic): Evaluare stări non-terminale.</a:t>
+            </a:r>
+          </a:p>
+          <a:p>
+            <a:pPr lvl="1"/>
+            <a:r>
+              <a:rPr lang="en-US" sz="1400">
+                <a:solidFill>
+                  <a:srgbClr val="000000"/>
+                </a:solidFill>
+                <a:latin typeface="Times New Roman"/>
+              </a:rPr>
+              <a:t>5. Limite Adâncime/Noduri (MM_DEPTH, MM_NODES): Asigurare timp răspuns rezonabil.</a:t>
+            </a:r>
+            <a:endParaRPr lang="en-US" sz="1400" dirty="0">
+              <a:solidFill>
+                <a:srgbClr val="000000"/>
+              </a:solidFill>
+              <a:latin typeface="Times New Roman"/>
+            </a:endParaRPr>
+          </a:p>
+        </p:txBody>
+      </p:sp>
+    </p:spTree>
+    <p:extLst>
+      <p:ext uri="{BB962C8B-B14F-4D97-AF65-F5344CB8AC3E}">
+        <p14:creationId xmlns:p14="http://schemas.microsoft.com/office/powerpoint/2010/main" val="4122293901"/>
+      </p:ext>
+    </p:extLst>
+  </p:cSld>
+  <p:clrMapOvr>
+    <a:masterClrMapping/>
+  </p:clrMapOvr>
+</p:sld>
+</file>
+
+<file path=ppt/slides/slide11.xml><?xml version="1.0" encoding="utf-8"?>
+<p:sld xmlns:a="http://schemas.openxmlformats.org/drawingml/2006/main" xmlns:r="http://schemas.openxmlformats.org/officeDocument/2006/relationships" xmlns:p="http://schemas.openxmlformats.org/presentationml/2006/main">
+  <p:cSld>
+    <p:bg>
+      <p:bgPr>
+        <a:blipFill dpi="0" rotWithShape="0">
+          <a:blip r:embed="rId2"/>
+          <a:srcRect/>
+          <a:stretch>
+            <a:fillRect/>
+          </a:stretch>
+        </a:blipFill>
+        <a:effectLst/>
+      </p:bgPr>
+    </p:bg>
+    <p:spTree>
+      <p:nvGrpSpPr>
+        <p:cNvPr id="1" name=""/>
+        <p:cNvGrpSpPr/>
+        <p:nvPr/>
+      </p:nvGrpSpPr>
+      <p:grpSpPr>
+        <a:xfrm>
+          <a:off x="0" y="0"/>
+          <a:ext cx="0" cy="0"/>
+          <a:chOff x="0" y="0"/>
+          <a:chExt cx="0" cy="0"/>
+        </a:xfrm>
+      </p:grpSpPr>
+      <p:sp>
+        <p:nvSpPr>
+          <p:cNvPr id="5" name="TextBox 4"/>
+          <p:cNvSpPr txBox="1"/>
+          <p:nvPr/>
+        </p:nvSpPr>
+        <p:spPr>
+          <a:xfrm>
+            <a:off x="887117" y="1788146"/>
+            <a:ext cx="7369765" cy="584775"/>
+          </a:xfrm>
+          <a:prstGeom prst="rect">
+            <a:avLst/>
+          </a:prstGeom>
+          <a:noFill/>
+          <a:ln>
+            <a:noFill/>
+          </a:ln>
+        </p:spPr>
+        <p:txBody>
+          <a:bodyPr wrap="square" rtlCol="0">
+            <a:spAutoFit/>
+          </a:bodyPr>
+          <a:lstStyle/>
+          <a:p>
+            <a:pPr algn="ctr"/>
+            <a:r>
+              <a:rPr lang="en-US" sz="3200" b="1" dirty="0" err="1">
+                <a:solidFill>
+                  <a:schemeClr val="accent1">
+                    <a:lumMod val="50000"/>
+                  </a:schemeClr>
+                </a:solidFill>
                 <a:latin typeface="Times New Roman" panose="02020603050405020304" pitchFamily="18" charset="0"/>
                 <a:cs typeface="Times New Roman" panose="02020603050405020304" pitchFamily="18" charset="0"/>
               </a:rPr>
@@ -5883,7 +6386,7 @@
 </p:sld>
 </file>
 
-<file path=ppt/slides/slide11.xml><?xml version="1.0" encoding="utf-8"?>
+<file path=ppt/slides/slide12.xml><?xml version="1.0" encoding="utf-8"?>
 <p:sld xmlns:a="http://schemas.openxmlformats.org/drawingml/2006/main" xmlns:r="http://schemas.openxmlformats.org/officeDocument/2006/relationships" xmlns:p="http://schemas.openxmlformats.org/presentationml/2006/main">
   <p:cSld>
     <p:bg>
@@ -6883,7 +7386,7 @@
 </p:sld>
 </file>
 
-<file path=ppt/slides/slide12.xml><?xml version="1.0" encoding="utf-8"?>
+<file path=ppt/slides/slide13.xml><?xml version="1.0" encoding="utf-8"?>
 <p:sld xmlns:a="http://schemas.openxmlformats.org/drawingml/2006/main" xmlns:r="http://schemas.openxmlformats.org/officeDocument/2006/relationships" xmlns:p="http://schemas.openxmlformats.org/presentationml/2006/main">
   <p:cSld>
     <p:bg>
@@ -8844,6 +9347,326 @@
 </file>
 
 <file path=ppt/slides/slide5.xml><?xml version="1.0" encoding="utf-8"?>
+<p:sld xmlns:a="http://schemas.openxmlformats.org/drawingml/2006/main" xmlns:r="http://schemas.openxmlformats.org/officeDocument/2006/relationships" xmlns:p="http://schemas.openxmlformats.org/presentationml/2006/main">
+  <p:cSld>
+    <p:bg>
+      <p:bgPr>
+        <a:blipFill dpi="0" rotWithShape="0">
+          <a:blip r:embed="rId2"/>
+          <a:srcRect/>
+          <a:stretch>
+            <a:fillRect/>
+          </a:stretch>
+        </a:blipFill>
+        <a:effectLst/>
+      </p:bgPr>
+    </p:bg>
+    <p:spTree>
+      <p:nvGrpSpPr>
+        <p:cNvPr id="1" name=""/>
+        <p:cNvGrpSpPr/>
+        <p:nvPr/>
+      </p:nvGrpSpPr>
+      <p:grpSpPr>
+        <a:xfrm>
+          <a:off x="0" y="0"/>
+          <a:ext cx="0" cy="0"/>
+          <a:chOff x="0" y="0"/>
+          <a:chExt cx="0" cy="0"/>
+        </a:xfrm>
+      </p:grpSpPr>
+      <p:sp>
+        <p:nvSpPr>
+          <p:cNvPr id="4" name="TextBox 3"/>
+          <p:cNvSpPr txBox="1"/>
+          <p:nvPr/>
+        </p:nvSpPr>
+        <p:spPr>
+          <a:xfrm>
+            <a:off x="1100762" y="1800265"/>
+            <a:ext cx="7369765" cy="584775"/>
+          </a:xfrm>
+          <a:prstGeom prst="rect">
+            <a:avLst/>
+          </a:prstGeom>
+          <a:noFill/>
+          <a:ln>
+            <a:noFill/>
+          </a:ln>
+        </p:spPr>
+        <p:txBody>
+          <a:bodyPr wrap="square" rtlCol="0">
+            <a:spAutoFit/>
+          </a:bodyPr>
+          <a:lstStyle/>
+          <a:p>
+            <a:pPr algn="ctr"/>
+            <a:r>
+              <a:rPr lang="ro-MD" sz="3200" b="1" dirty="0">
+                <a:solidFill>
+                  <a:schemeClr val="accent1">
+                    <a:lumMod val="50000"/>
+                  </a:schemeClr>
+                </a:solidFill>
+                <a:latin typeface="Times New Roman" panose="02020603050405020304" pitchFamily="18" charset="0"/>
+                <a:cs typeface="Times New Roman" panose="02020603050405020304" pitchFamily="18" charset="0"/>
+              </a:rPr>
+              <a:t>Tehnologii utilizate </a:t>
+            </a:r>
+          </a:p>
+        </p:txBody>
+      </p:sp>
+      <p:sp>
+        <p:nvSpPr>
+          <p:cNvPr id="3" name="TextBox 2">
+            <a:extLst>
+              <a:ext uri="{FF2B5EF4-FFF2-40B4-BE49-F238E27FC236}">
+                <a16:creationId xmlns:a16="http://schemas.microsoft.com/office/drawing/2014/main" id="{264549AB-4C00-4F82-9965-F03F9DB87FE8}"/>
+              </a:ext>
+            </a:extLst>
+          </p:cNvPr>
+          <p:cNvSpPr txBox="1"/>
+          <p:nvPr/>
+        </p:nvSpPr>
+        <p:spPr>
+          <a:xfrm>
+            <a:off x="0" y="252246"/>
+            <a:ext cx="9144000" cy="369332"/>
+          </a:xfrm>
+          <a:prstGeom prst="rect">
+            <a:avLst/>
+          </a:prstGeom>
+          <a:solidFill>
+            <a:srgbClr val="23557D"/>
+          </a:solidFill>
+          <a:ln>
+            <a:noFill/>
+          </a:ln>
+        </p:spPr>
+        <p:style>
+          <a:lnRef idx="2">
+            <a:schemeClr val="accent5"/>
+          </a:lnRef>
+          <a:fillRef idx="1">
+            <a:schemeClr val="lt1"/>
+          </a:fillRef>
+          <a:effectRef idx="0">
+            <a:schemeClr val="accent5"/>
+          </a:effectRef>
+          <a:fontRef idx="minor">
+            <a:schemeClr val="dk1"/>
+          </a:fontRef>
+        </p:style>
+        <p:txBody>
+          <a:bodyPr wrap="square" rtlCol="0">
+            <a:spAutoFit/>
+          </a:bodyPr>
+          <a:lstStyle/>
+          <a:p>
+            <a:endParaRPr lang="ro-RO" dirty="0"/>
+          </a:p>
+        </p:txBody>
+      </p:sp>
+      <p:pic>
+        <p:nvPicPr>
+          <p:cNvPr id="5" name="Picture 4">
+            <a:extLst>
+              <a:ext uri="{FF2B5EF4-FFF2-40B4-BE49-F238E27FC236}">
+                <a16:creationId xmlns:a16="http://schemas.microsoft.com/office/drawing/2014/main" id="{064BDBD0-C4D8-45D3-BD7A-87B7D095BEF8}"/>
+              </a:ext>
+            </a:extLst>
+          </p:cNvPr>
+          <p:cNvPicPr>
+            <a:picLocks noChangeAspect="1"/>
+          </p:cNvPicPr>
+          <p:nvPr/>
+        </p:nvPicPr>
+        <p:blipFill>
+          <a:blip r:embed="rId3"/>
+          <a:stretch>
+            <a:fillRect/>
+          </a:stretch>
+        </p:blipFill>
+        <p:spPr>
+          <a:xfrm>
+            <a:off x="7486726" y="474376"/>
+            <a:ext cx="1265030" cy="769687"/>
+          </a:xfrm>
+          <a:prstGeom prst="rect">
+            <a:avLst/>
+          </a:prstGeom>
+        </p:spPr>
+      </p:pic>
+      <p:grpSp>
+        <p:nvGrpSpPr>
+          <p:cNvPr id="18" name="Group 17">
+            <a:extLst>
+              <a:ext uri="{FF2B5EF4-FFF2-40B4-BE49-F238E27FC236}">
+                <a16:creationId xmlns:a16="http://schemas.microsoft.com/office/drawing/2014/main" id="{168F6C3A-585A-95BA-3E0C-2D490B99846F}"/>
+              </a:ext>
+            </a:extLst>
+          </p:cNvPr>
+          <p:cNvGrpSpPr/>
+          <p:nvPr/>
+        </p:nvGrpSpPr>
+        <p:grpSpPr>
+          <a:xfrm>
+            <a:off x="813781" y="2092652"/>
+            <a:ext cx="1421420" cy="1681916"/>
+            <a:chOff x="6757391" y="2385040"/>
+            <a:chExt cx="1458669" cy="2279618"/>
+          </a:xfrm>
+        </p:grpSpPr>
+        <p:pic>
+          <p:nvPicPr>
+            <p:cNvPr id="7" name="Picture 6">
+              <a:extLst>
+                <a:ext uri="{FF2B5EF4-FFF2-40B4-BE49-F238E27FC236}">
+                  <a16:creationId xmlns:a16="http://schemas.microsoft.com/office/drawing/2014/main" id="{AF71E200-E96D-8C9B-2D5E-86302948DA77}"/>
+                </a:ext>
+              </a:extLst>
+            </p:cNvPr>
+            <p:cNvPicPr>
+              <a:picLocks noChangeAspect="1"/>
+            </p:cNvPicPr>
+            <p:nvPr/>
+          </p:nvPicPr>
+          <p:blipFill>
+            <a:blip r:embed="rId4"/>
+            <a:stretch>
+              <a:fillRect/>
+            </a:stretch>
+          </p:blipFill>
+          <p:spPr>
+            <a:xfrm>
+              <a:off x="6757391" y="2385040"/>
+              <a:ext cx="1458669" cy="1552399"/>
+            </a:xfrm>
+            <a:prstGeom prst="rect">
+              <a:avLst/>
+            </a:prstGeom>
+          </p:spPr>
+        </p:pic>
+        <p:sp>
+          <p:nvSpPr>
+            <p:cNvPr id="8" name="TextBox 7">
+              <a:extLst>
+                <a:ext uri="{FF2B5EF4-FFF2-40B4-BE49-F238E27FC236}">
+                  <a16:creationId xmlns:a16="http://schemas.microsoft.com/office/drawing/2014/main" id="{223D7EF3-69E1-EBAE-DBC3-06ACD7C4BF1B}"/>
+                </a:ext>
+              </a:extLst>
+            </p:cNvPr>
+            <p:cNvSpPr txBox="1"/>
+            <p:nvPr/>
+          </p:nvSpPr>
+          <p:spPr>
+            <a:xfrm>
+              <a:off x="6757391" y="4018327"/>
+              <a:ext cx="1458669" cy="646331"/>
+            </a:xfrm>
+            <a:prstGeom prst="rect">
+              <a:avLst/>
+            </a:prstGeom>
+            <a:noFill/>
+          </p:spPr>
+          <p:txBody>
+            <a:bodyPr wrap="square" rtlCol="0">
+              <a:spAutoFit/>
+            </a:bodyPr>
+            <a:lstStyle/>
+            <a:p>
+              <a:r>
+                <a:rPr lang="en-US" dirty="0"/>
+                <a:t>Repository Database</a:t>
+              </a:r>
+            </a:p>
+          </p:txBody>
+        </p:sp>
+      </p:grpSp>
+      <p:pic>
+        <p:nvPicPr>
+          <p:cNvPr id="9" name="Picture 8">
+            <a:extLst>
+              <a:ext uri="{FF2B5EF4-FFF2-40B4-BE49-F238E27FC236}">
+                <a16:creationId xmlns:a16="http://schemas.microsoft.com/office/drawing/2014/main" id="{8B1BB139-3F9B-EF19-B1F7-F8D5D780B063}"/>
+              </a:ext>
+            </a:extLst>
+          </p:cNvPr>
+          <p:cNvPicPr>
+            <a:picLocks noChangeAspect="1"/>
+          </p:cNvPicPr>
+          <p:nvPr/>
+        </p:nvPicPr>
+        <p:blipFill>
+          <a:blip r:embed="rId5"/>
+          <a:stretch>
+            <a:fillRect/>
+          </a:stretch>
+        </p:blipFill>
+        <p:spPr>
+          <a:xfrm>
+            <a:off x="2801644" y="2422750"/>
+            <a:ext cx="5465075" cy="4523043"/>
+          </a:xfrm>
+          <a:prstGeom prst="rect">
+            <a:avLst/>
+          </a:prstGeom>
+        </p:spPr>
+      </p:pic>
+      <p:sp>
+        <p:nvSpPr>
+          <p:cNvPr id="11" name="TextBox 10">
+            <a:extLst>
+              <a:ext uri="{FF2B5EF4-FFF2-40B4-BE49-F238E27FC236}">
+                <a16:creationId xmlns:a16="http://schemas.microsoft.com/office/drawing/2014/main" id="{FBE67C53-A88E-F2AC-EBFD-E68D9D716BEE}"/>
+              </a:ext>
+            </a:extLst>
+          </p:cNvPr>
+          <p:cNvSpPr txBox="1"/>
+          <p:nvPr/>
+        </p:nvSpPr>
+        <p:spPr>
+          <a:xfrm>
+            <a:off x="673473" y="6421088"/>
+            <a:ext cx="2260600" cy="369332"/>
+          </a:xfrm>
+          <a:prstGeom prst="rect">
+            <a:avLst/>
+          </a:prstGeom>
+          <a:noFill/>
+        </p:spPr>
+        <p:txBody>
+          <a:bodyPr wrap="square" rtlCol="0">
+            <a:spAutoFit/>
+          </a:bodyPr>
+          <a:lstStyle/>
+          <a:p>
+            <a:r>
+              <a:rPr lang="en-US" dirty="0"/>
+              <a:t>57 </a:t>
+            </a:r>
+            <a:r>
+              <a:rPr lang="en-US" dirty="0" err="1"/>
+              <a:t>commituri</a:t>
+            </a:r>
+            <a:endParaRPr lang="en-US" dirty="0"/>
+          </a:p>
+        </p:txBody>
+      </p:sp>
+    </p:spTree>
+    <p:extLst>
+      <p:ext uri="{BB962C8B-B14F-4D97-AF65-F5344CB8AC3E}">
+        <p14:creationId xmlns:p14="http://schemas.microsoft.com/office/powerpoint/2010/main" val="2857582548"/>
+      </p:ext>
+    </p:extLst>
+  </p:cSld>
+  <p:clrMapOvr>
+    <a:masterClrMapping/>
+  </p:clrMapOvr>
+</p:sld>
+</file>
+
+<file path=ppt/slides/slide6.xml><?xml version="1.0" encoding="utf-8"?>
 <p:sld xmlns:a="http://schemas.openxmlformats.org/drawingml/2006/main" xmlns:r="http://schemas.openxmlformats.org/officeDocument/2006/relationships" xmlns:p="http://schemas.openxmlformats.org/presentationml/2006/main">
   <p:cSld>
     <p:bg>
@@ -9577,7 +10400,7 @@
 </p:sld>
 </file>
 
-<file path=ppt/slides/slide6.xml><?xml version="1.0" encoding="utf-8"?>
+<file path=ppt/slides/slide7.xml><?xml version="1.0" encoding="utf-8"?>
 <p:sld xmlns:a="http://schemas.openxmlformats.org/drawingml/2006/main" xmlns:r="http://schemas.openxmlformats.org/officeDocument/2006/relationships" xmlns:p="http://schemas.openxmlformats.org/presentationml/2006/main">
   <p:cSld>
     <p:bg>
@@ -10871,7 +11694,7 @@
 </p:sld>
 </file>
 
-<file path=ppt/slides/slide7.xml><?xml version="1.0" encoding="utf-8"?>
+<file path=ppt/slides/slide8.xml><?xml version="1.0" encoding="utf-8"?>
 <p:sld xmlns:a="http://schemas.openxmlformats.org/drawingml/2006/main" xmlns:r="http://schemas.openxmlformats.org/officeDocument/2006/relationships" xmlns:p="http://schemas.openxmlformats.org/presentationml/2006/main">
   <p:cSld>
     <p:bg>
@@ -11423,7 +12246,7 @@
 </p:sld>
 </file>
 
-<file path=ppt/slides/slide8.xml><?xml version="1.0" encoding="utf-8"?>
+<file path=ppt/slides/slide9.xml><?xml version="1.0" encoding="utf-8"?>
 <p:sld xmlns:a="http://schemas.openxmlformats.org/drawingml/2006/main" xmlns:r="http://schemas.openxmlformats.org/officeDocument/2006/relationships" xmlns:p="http://schemas.openxmlformats.org/presentationml/2006/main">
   <p:cSld>
     <p:bg>
@@ -12533,508 +13356,6 @@
     <p:extLst>
       <p:ext uri="{BB962C8B-B14F-4D97-AF65-F5344CB8AC3E}">
         <p14:creationId xmlns:p14="http://schemas.microsoft.com/office/powerpoint/2010/main" val="2741209495"/>
-      </p:ext>
-    </p:extLst>
-  </p:cSld>
-  <p:clrMapOvr>
-    <a:masterClrMapping/>
-  </p:clrMapOvr>
-</p:sld>
-</file>
-
-<file path=ppt/slides/slide9.xml><?xml version="1.0" encoding="utf-8"?>
-<p:sld xmlns:a="http://schemas.openxmlformats.org/drawingml/2006/main" xmlns:r="http://schemas.openxmlformats.org/officeDocument/2006/relationships" xmlns:p="http://schemas.openxmlformats.org/presentationml/2006/main">
-  <p:cSld>
-    <p:bg>
-      <p:bgPr>
-        <a:blipFill dpi="0" rotWithShape="0">
-          <a:blip r:embed="rId2"/>
-          <a:srcRect/>
-          <a:stretch>
-            <a:fillRect/>
-          </a:stretch>
-        </a:blipFill>
-        <a:effectLst/>
-      </p:bgPr>
-    </p:bg>
-    <p:spTree>
-      <p:nvGrpSpPr>
-        <p:cNvPr id="1" name=""/>
-        <p:cNvGrpSpPr/>
-        <p:nvPr/>
-      </p:nvGrpSpPr>
-      <p:grpSpPr>
-        <a:xfrm>
-          <a:off x="0" y="0"/>
-          <a:ext cx="0" cy="0"/>
-          <a:chOff x="0" y="0"/>
-          <a:chExt cx="0" cy="0"/>
-        </a:xfrm>
-      </p:grpSpPr>
-      <p:sp>
-        <p:nvSpPr>
-          <p:cNvPr id="5" name="TextBox 4"/>
-          <p:cNvSpPr txBox="1"/>
-          <p:nvPr/>
-        </p:nvSpPr>
-        <p:spPr>
-          <a:xfrm>
-            <a:off x="887117" y="1788146"/>
-            <a:ext cx="7369765" cy="584775"/>
-          </a:xfrm>
-          <a:prstGeom prst="rect">
-            <a:avLst/>
-          </a:prstGeom>
-          <a:noFill/>
-          <a:ln>
-            <a:noFill/>
-          </a:ln>
-        </p:spPr>
-        <p:txBody>
-          <a:bodyPr wrap="square" rtlCol="0">
-            <a:spAutoFit/>
-          </a:bodyPr>
-          <a:lstStyle/>
-          <a:p>
-            <a:pPr algn="ctr"/>
-            <a:r>
-              <a:rPr lang="en-US" sz="3200" b="1" dirty="0" err="1">
-                <a:solidFill>
-                  <a:schemeClr val="accent1">
-                    <a:lumMod val="50000"/>
-                  </a:schemeClr>
-                </a:solidFill>
-                <a:latin typeface="Times New Roman"/>
-              </a:rPr>
-              <a:t>Implementare</a:t>
-            </a:r>
-            <a:r>
-              <a:rPr lang="en-US" sz="3200" b="1" dirty="0">
-                <a:solidFill>
-                  <a:schemeClr val="accent1">
-                    <a:lumMod val="50000"/>
-                  </a:schemeClr>
-                </a:solidFill>
-                <a:latin typeface="Times New Roman"/>
-              </a:rPr>
-              <a:t> - </a:t>
-            </a:r>
-            <a:r>
-              <a:rPr lang="en-US" sz="3200" b="1" dirty="0" err="1">
-                <a:solidFill>
-                  <a:schemeClr val="accent1">
-                    <a:lumMod val="50000"/>
-                  </a:schemeClr>
-                </a:solidFill>
-                <a:latin typeface="Times New Roman"/>
-              </a:rPr>
-              <a:t>Adversar</a:t>
-            </a:r>
-            <a:r>
-              <a:rPr lang="en-US" sz="3200" b="1" dirty="0">
-                <a:solidFill>
-                  <a:schemeClr val="accent1">
-                    <a:lumMod val="50000"/>
-                  </a:schemeClr>
-                </a:solidFill>
-                <a:latin typeface="Times New Roman"/>
-              </a:rPr>
-              <a:t> AI</a:t>
-            </a:r>
-            <a:endParaRPr lang="ru-RU" sz="3200" b="1" dirty="0">
-              <a:solidFill>
-                <a:schemeClr val="accent1">
-                  <a:lumMod val="50000"/>
-                </a:schemeClr>
-              </a:solidFill>
-              <a:latin typeface="Times New Roman" panose="02020603050405020304" pitchFamily="18" charset="0"/>
-              <a:cs typeface="Times New Roman" panose="02020603050405020304" pitchFamily="18" charset="0"/>
-            </a:endParaRPr>
-          </a:p>
-        </p:txBody>
-      </p:sp>
-      <p:sp>
-        <p:nvSpPr>
-          <p:cNvPr id="3" name="TextBox 2">
-            <a:extLst>
-              <a:ext uri="{FF2B5EF4-FFF2-40B4-BE49-F238E27FC236}">
-                <a16:creationId xmlns:a16="http://schemas.microsoft.com/office/drawing/2014/main" id="{00A94EC1-16DF-44A1-BE40-8B85359F3870}"/>
-              </a:ext>
-            </a:extLst>
-          </p:cNvPr>
-          <p:cNvSpPr txBox="1"/>
-          <p:nvPr/>
-        </p:nvSpPr>
-        <p:spPr>
-          <a:xfrm>
-            <a:off x="0" y="252248"/>
-            <a:ext cx="9144000" cy="1213945"/>
-          </a:xfrm>
-          <a:prstGeom prst="rect">
-            <a:avLst/>
-          </a:prstGeom>
-          <a:solidFill>
-            <a:srgbClr val="23557D"/>
-          </a:solidFill>
-          <a:ln>
-            <a:noFill/>
-          </a:ln>
-        </p:spPr>
-        <p:style>
-          <a:lnRef idx="2">
-            <a:schemeClr val="accent5"/>
-          </a:lnRef>
-          <a:fillRef idx="1">
-            <a:schemeClr val="lt1"/>
-          </a:fillRef>
-          <a:effectRef idx="0">
-            <a:schemeClr val="accent5"/>
-          </a:effectRef>
-          <a:fontRef idx="minor">
-            <a:schemeClr val="dk1"/>
-          </a:fontRef>
-        </p:style>
-        <p:txBody>
-          <a:bodyPr wrap="square" rtlCol="0">
-            <a:spAutoFit/>
-          </a:bodyPr>
-          <a:lstStyle/>
-          <a:p>
-            <a:endParaRPr lang="ro-RO" dirty="0"/>
-          </a:p>
-        </p:txBody>
-      </p:sp>
-      <p:pic>
-        <p:nvPicPr>
-          <p:cNvPr id="4" name="Picture 3">
-            <a:extLst>
-              <a:ext uri="{FF2B5EF4-FFF2-40B4-BE49-F238E27FC236}">
-                <a16:creationId xmlns:a16="http://schemas.microsoft.com/office/drawing/2014/main" id="{F2C6D9D1-A541-471F-A2A6-BF05B1DAEB2D}"/>
-              </a:ext>
-            </a:extLst>
-          </p:cNvPr>
-          <p:cNvPicPr>
-            <a:picLocks noChangeAspect="1"/>
-          </p:cNvPicPr>
-          <p:nvPr/>
-        </p:nvPicPr>
-        <p:blipFill>
-          <a:blip r:embed="rId3"/>
-          <a:stretch>
-            <a:fillRect/>
-          </a:stretch>
-        </p:blipFill>
-        <p:spPr>
-          <a:xfrm>
-            <a:off x="7486726" y="474376"/>
-            <a:ext cx="1265030" cy="769687"/>
-          </a:xfrm>
-          <a:prstGeom prst="rect">
-            <a:avLst/>
-          </a:prstGeom>
-        </p:spPr>
-      </p:pic>
-      <p:sp>
-        <p:nvSpPr>
-          <p:cNvPr id="6" name="Content Placeholder 2">
-            <a:extLst>
-              <a:ext uri="{FF2B5EF4-FFF2-40B4-BE49-F238E27FC236}">
-                <a16:creationId xmlns:a16="http://schemas.microsoft.com/office/drawing/2014/main" id="{5DDC8D0A-AAAD-5B6A-71FA-38DD8BA51C76}"/>
-              </a:ext>
-            </a:extLst>
-          </p:cNvPr>
-          <p:cNvSpPr txBox="1">
-            <a:spLocks/>
-          </p:cNvSpPr>
-          <p:nvPr/>
-        </p:nvSpPr>
-        <p:spPr>
-          <a:xfrm>
-            <a:off x="457199" y="2080533"/>
-            <a:ext cx="8229600" cy="4525963"/>
-          </a:xfrm>
-          <a:prstGeom prst="rect">
-            <a:avLst/>
-          </a:prstGeom>
-        </p:spPr>
-        <p:txBody>
-          <a:bodyPr wrap="square"/>
-          <a:lstStyle>
-            <a:lvl1pPr marL="228600" indent="-228600" algn="l" rtl="0" eaLnBrk="0" fontAlgn="base" hangingPunct="0">
-              <a:lnSpc>
-                <a:spcPct val="90000"/>
-              </a:lnSpc>
-              <a:spcBef>
-                <a:spcPts val="1000"/>
-              </a:spcBef>
-              <a:spcAft>
-                <a:spcPct val="0"/>
-              </a:spcAft>
-              <a:buFont typeface="Arial" panose="020B0604020202020204" pitchFamily="34" charset="0"/>
-              <a:buChar char="•"/>
-              <a:defRPr sz="2800" kern="1200">
-                <a:solidFill>
-                  <a:schemeClr val="tx1"/>
-                </a:solidFill>
-                <a:latin typeface="+mn-lt"/>
-                <a:ea typeface="+mn-ea"/>
-                <a:cs typeface="+mn-cs"/>
-              </a:defRPr>
-            </a:lvl1pPr>
-            <a:lvl2pPr marL="685800" indent="-228600" algn="l" rtl="0" eaLnBrk="0" fontAlgn="base" hangingPunct="0">
-              <a:lnSpc>
-                <a:spcPct val="90000"/>
-              </a:lnSpc>
-              <a:spcBef>
-                <a:spcPts val="500"/>
-              </a:spcBef>
-              <a:spcAft>
-                <a:spcPct val="0"/>
-              </a:spcAft>
-              <a:buFont typeface="Arial" panose="020B0604020202020204" pitchFamily="34" charset="0"/>
-              <a:buChar char="•"/>
-              <a:defRPr sz="2400" kern="1200">
-                <a:solidFill>
-                  <a:schemeClr val="tx1"/>
-                </a:solidFill>
-                <a:latin typeface="+mn-lt"/>
-                <a:ea typeface="+mn-ea"/>
-                <a:cs typeface="+mn-cs"/>
-              </a:defRPr>
-            </a:lvl2pPr>
-            <a:lvl3pPr marL="1143000" indent="-228600" algn="l" rtl="0" eaLnBrk="0" fontAlgn="base" hangingPunct="0">
-              <a:lnSpc>
-                <a:spcPct val="90000"/>
-              </a:lnSpc>
-              <a:spcBef>
-                <a:spcPts val="500"/>
-              </a:spcBef>
-              <a:spcAft>
-                <a:spcPct val="0"/>
-              </a:spcAft>
-              <a:buFont typeface="Arial" panose="020B0604020202020204" pitchFamily="34" charset="0"/>
-              <a:buChar char="•"/>
-              <a:defRPr sz="2000" kern="1200">
-                <a:solidFill>
-                  <a:schemeClr val="tx1"/>
-                </a:solidFill>
-                <a:latin typeface="+mn-lt"/>
-                <a:ea typeface="+mn-ea"/>
-                <a:cs typeface="+mn-cs"/>
-              </a:defRPr>
-            </a:lvl3pPr>
-            <a:lvl4pPr marL="1600200" indent="-228600" algn="l" rtl="0" eaLnBrk="0" fontAlgn="base" hangingPunct="0">
-              <a:lnSpc>
-                <a:spcPct val="90000"/>
-              </a:lnSpc>
-              <a:spcBef>
-                <a:spcPts val="500"/>
-              </a:spcBef>
-              <a:spcAft>
-                <a:spcPct val="0"/>
-              </a:spcAft>
-              <a:buFont typeface="Arial" panose="020B0604020202020204" pitchFamily="34" charset="0"/>
-              <a:buChar char="•"/>
-              <a:defRPr kern="1200">
-                <a:solidFill>
-                  <a:schemeClr val="tx1"/>
-                </a:solidFill>
-                <a:latin typeface="+mn-lt"/>
-                <a:ea typeface="+mn-ea"/>
-                <a:cs typeface="+mn-cs"/>
-              </a:defRPr>
-            </a:lvl4pPr>
-            <a:lvl5pPr marL="2057400" indent="-228600" algn="l" rtl="0" eaLnBrk="0" fontAlgn="base" hangingPunct="0">
-              <a:lnSpc>
-                <a:spcPct val="90000"/>
-              </a:lnSpc>
-              <a:spcBef>
-                <a:spcPts val="500"/>
-              </a:spcBef>
-              <a:spcAft>
-                <a:spcPct val="0"/>
-              </a:spcAft>
-              <a:buFont typeface="Arial" panose="020B0604020202020204" pitchFamily="34" charset="0"/>
-              <a:buChar char="•"/>
-              <a:defRPr kern="1200">
-                <a:solidFill>
-                  <a:schemeClr val="tx1"/>
-                </a:solidFill>
-                <a:latin typeface="+mn-lt"/>
-                <a:ea typeface="+mn-ea"/>
-                <a:cs typeface="+mn-cs"/>
-              </a:defRPr>
-            </a:lvl5pPr>
-            <a:lvl6pPr marL="2514600" indent="-228600" algn="l" defTabSz="914400" rtl="0" eaLnBrk="1" latinLnBrk="0" hangingPunct="1">
-              <a:lnSpc>
-                <a:spcPct val="90000"/>
-              </a:lnSpc>
-              <a:spcBef>
-                <a:spcPts val="500"/>
-              </a:spcBef>
-              <a:buFont typeface="Arial" panose="020B0604020202020204" pitchFamily="34" charset="0"/>
-              <a:buChar char="•"/>
-              <a:defRPr sz="1800" kern="1200">
-                <a:solidFill>
-                  <a:schemeClr val="tx1"/>
-                </a:solidFill>
-                <a:latin typeface="+mn-lt"/>
-                <a:ea typeface="+mn-ea"/>
-                <a:cs typeface="+mn-cs"/>
-              </a:defRPr>
-            </a:lvl6pPr>
-            <a:lvl7pPr marL="2971800" indent="-228600" algn="l" defTabSz="914400" rtl="0" eaLnBrk="1" latinLnBrk="0" hangingPunct="1">
-              <a:lnSpc>
-                <a:spcPct val="90000"/>
-              </a:lnSpc>
-              <a:spcBef>
-                <a:spcPts val="500"/>
-              </a:spcBef>
-              <a:buFont typeface="Arial" panose="020B0604020202020204" pitchFamily="34" charset="0"/>
-              <a:buChar char="•"/>
-              <a:defRPr sz="1800" kern="1200">
-                <a:solidFill>
-                  <a:schemeClr val="tx1"/>
-                </a:solidFill>
-                <a:latin typeface="+mn-lt"/>
-                <a:ea typeface="+mn-ea"/>
-                <a:cs typeface="+mn-cs"/>
-              </a:defRPr>
-            </a:lvl7pPr>
-            <a:lvl8pPr marL="3429000" indent="-228600" algn="l" defTabSz="914400" rtl="0" eaLnBrk="1" latinLnBrk="0" hangingPunct="1">
-              <a:lnSpc>
-                <a:spcPct val="90000"/>
-              </a:lnSpc>
-              <a:spcBef>
-                <a:spcPts val="500"/>
-              </a:spcBef>
-              <a:buFont typeface="Arial" panose="020B0604020202020204" pitchFamily="34" charset="0"/>
-              <a:buChar char="•"/>
-              <a:defRPr sz="1800" kern="1200">
-                <a:solidFill>
-                  <a:schemeClr val="tx1"/>
-                </a:solidFill>
-                <a:latin typeface="+mn-lt"/>
-                <a:ea typeface="+mn-ea"/>
-                <a:cs typeface="+mn-cs"/>
-              </a:defRPr>
-            </a:lvl8pPr>
-            <a:lvl9pPr marL="3886200" indent="-228600" algn="l" defTabSz="914400" rtl="0" eaLnBrk="1" latinLnBrk="0" hangingPunct="1">
-              <a:lnSpc>
-                <a:spcPct val="90000"/>
-              </a:lnSpc>
-              <a:spcBef>
-                <a:spcPts val="500"/>
-              </a:spcBef>
-              <a:buFont typeface="Arial" panose="020B0604020202020204" pitchFamily="34" charset="0"/>
-              <a:buChar char="•"/>
-              <a:defRPr sz="1800" kern="1200">
-                <a:solidFill>
-                  <a:schemeClr val="tx1"/>
-                </a:solidFill>
-                <a:latin typeface="+mn-lt"/>
-                <a:ea typeface="+mn-ea"/>
-                <a:cs typeface="+mn-cs"/>
-              </a:defRPr>
-            </a:lvl9pPr>
-          </a:lstStyle>
-          <a:p>
-            <a:endParaRPr lang="en-US"/>
-          </a:p>
-          <a:p>
-            <a:r>
-              <a:rPr lang="en-US" sz="1400">
-                <a:solidFill>
-                  <a:srgbClr val="000000"/>
-                </a:solidFill>
-                <a:latin typeface="Times New Roman"/>
-              </a:rPr>
-              <a:t>Scop: Creare AI competitiv pentru modul single-player.</a:t>
-            </a:r>
-          </a:p>
-          <a:p>
-            <a:r>
-              <a:rPr lang="en-US" sz="1400">
-                <a:solidFill>
-                  <a:srgbClr val="000000"/>
-                </a:solidFill>
-                <a:latin typeface="Times New Roman"/>
-              </a:rPr>
-              <a:t>Strategie Hibridă:</a:t>
-            </a:r>
-          </a:p>
-          <a:p>
-            <a:pPr lvl="1"/>
-            <a:r>
-              <a:rPr lang="en-US" sz="1400">
-                <a:solidFill>
-                  <a:srgbClr val="000000"/>
-                </a:solidFill>
-                <a:latin typeface="Times New Roman"/>
-              </a:rPr>
-              <a:t>1. Verificări Imediate (findImmediate): Câștig/Blocare în 1 mutare.</a:t>
-            </a:r>
-          </a:p>
-          <a:p>
-            <a:pPr lvl="1"/>
-            <a:r>
-              <a:rPr lang="en-US" sz="1400">
-                <a:solidFill>
-                  <a:srgbClr val="000000"/>
-                </a:solidFill>
-                <a:latin typeface="Times New Roman"/>
-              </a:rPr>
-              <a:t>2. Algoritm Minimax [5]: Explorare arbore joc (dacă nu există mutare imediată).</a:t>
-            </a:r>
-          </a:p>
-          <a:p>
-            <a:pPr lvl="1"/>
-            <a:r>
-              <a:rPr lang="en-US" sz="1400">
-                <a:solidFill>
-                  <a:srgbClr val="000000"/>
-                </a:solidFill>
-                <a:latin typeface="Times New Roman"/>
-              </a:rPr>
-              <a:t>3. Optimizare Alpha-Beta: Eliminare ramuri irelevante.</a:t>
-            </a:r>
-          </a:p>
-          <a:p>
-            <a:pPr lvl="1"/>
-            <a:r>
-              <a:rPr lang="en-US" sz="1400">
-                <a:solidFill>
-                  <a:srgbClr val="000000"/>
-                </a:solidFill>
-                <a:latin typeface="Times New Roman"/>
-              </a:rPr>
-              <a:t>4. Funcție Euristică (heuristic): Evaluare stări non-terminale.</a:t>
-            </a:r>
-          </a:p>
-          <a:p>
-            <a:pPr lvl="1"/>
-            <a:r>
-              <a:rPr lang="en-US" sz="1400">
-                <a:solidFill>
-                  <a:srgbClr val="000000"/>
-                </a:solidFill>
-                <a:latin typeface="Times New Roman"/>
-              </a:rPr>
-              <a:t>5. Limite Adâncime/Noduri (MM_DEPTH, MM_NODES): Asigurare timp răspuns rezonabil.</a:t>
-            </a:r>
-            <a:endParaRPr lang="en-US" sz="1400" dirty="0">
-              <a:solidFill>
-                <a:srgbClr val="000000"/>
-              </a:solidFill>
-              <a:latin typeface="Times New Roman"/>
-            </a:endParaRPr>
-          </a:p>
-        </p:txBody>
-      </p:sp>
-    </p:spTree>
-    <p:extLst>
-      <p:ext uri="{BB962C8B-B14F-4D97-AF65-F5344CB8AC3E}">
-        <p14:creationId xmlns:p14="http://schemas.microsoft.com/office/powerpoint/2010/main" val="4122293901"/>
       </p:ext>
     </p:extLst>
   </p:cSld>
